--- a/第六组走迷宫答辩ppt.pptx
+++ b/第六组走迷宫答辩ppt.pptx
@@ -9,21 +9,24 @@
   </p:notesMasterIdLst>
   <p:sldIdLst>
     <p:sldId id="261" r:id="rId3"/>
-    <p:sldId id="270" r:id="rId5"/>
-    <p:sldId id="271" r:id="rId6"/>
-    <p:sldId id="291" r:id="rId7"/>
-    <p:sldId id="295" r:id="rId8"/>
-    <p:sldId id="290" r:id="rId9"/>
-    <p:sldId id="296" r:id="rId10"/>
-    <p:sldId id="292" r:id="rId11"/>
-    <p:sldId id="293" r:id="rId12"/>
-    <p:sldId id="294" r:id="rId13"/>
-    <p:sldId id="289" r:id="rId14"/>
+    <p:sldId id="305" r:id="rId5"/>
+    <p:sldId id="303" r:id="rId6"/>
+    <p:sldId id="270" r:id="rId7"/>
+    <p:sldId id="271" r:id="rId8"/>
+    <p:sldId id="291" r:id="rId9"/>
+    <p:sldId id="290" r:id="rId10"/>
+    <p:sldId id="306" r:id="rId11"/>
+    <p:sldId id="292" r:id="rId12"/>
+    <p:sldId id="307" r:id="rId13"/>
+    <p:sldId id="293" r:id="rId14"/>
+    <p:sldId id="308" r:id="rId15"/>
+    <p:sldId id="294" r:id="rId16"/>
+    <p:sldId id="289" r:id="rId17"/>
   </p:sldIdLst>
   <p:sldSz cx="12192000" cy="6858000"/>
   <p:notesSz cx="6858000" cy="9144000"/>
   <p:custDataLst>
-    <p:tags r:id="rId18"/>
+    <p:tags r:id="rId21"/>
   </p:custDataLst>
   <p:defaultTextStyle>
     <a:defPPr>
@@ -3376,8 +3379,8 @@
         </p:nvSpPr>
         <p:spPr>
           <a:xfrm>
-            <a:off x="1704975" y="1823720"/>
-            <a:ext cx="8990330" cy="3784600"/>
+            <a:off x="1622425" y="1262380"/>
+            <a:ext cx="8500110" cy="4615815"/>
           </a:xfrm>
           <a:prstGeom prst="rect">
             <a:avLst/>
@@ -3395,14 +3398,12 @@
               </a:lnSpc>
             </a:pPr>
             <a:r>
-              <a:rPr lang="en-US" altLang="zh-CN" sz="2000"/>
-              <a:t>	</a:t>
-            </a:r>
-            <a:r>
-              <a:rPr lang="zh-CN" altLang="en-US" sz="2000"/>
-              <a:t>走迷宫的游戏功能已经基本实现，在此次课程设计过程中，我们遇到了一些问题，对游戏的实现造成了一定的麻烦，但我们通过查询解决了，当一切都整合完毕之后，程序运行起来了，这让我们十分开心。通过这次“走迷宫’的课程设计更让我们意识到了理论与事件结合的在重要性，只有理论知识是完全不够的，我们还要学会将它运用到实践中，用它来实现我们所要做的项目。亲身的实践让我们对理论知识的一些难点和不懂的地方有了更好地理解与认识。希望以后能有更多的机会动手来进行操作。</a:t>
-            </a:r>
-            <a:endParaRPr lang="zh-CN" altLang="en-US" sz="2000"/>
+              <a:rPr lang="zh-CN" altLang="en-US" sz="2800">
+                <a:sym typeface="+mn-ea"/>
+              </a:rPr>
+              <a:t>2、用户点击蜀道迷宫，然后点击人偶头像，用方向键控制人偶头像运动，绿色是路，红色是出口，蓝色是收费站（只要经过就收费，包括反复经过），务必记住整个路费，否则无法通过，人偶头像到达红色方格时会弹出一个对话框，输入路费即可通过。点击重走按钮可以再走一遍蜀道迷宫。</a:t>
+            </a:r>
+            <a:endParaRPr lang="zh-CN" altLang="en-US" sz="2800"/>
           </a:p>
           <a:p>
             <a:pPr fontAlgn="auto">
@@ -3410,44 +3411,7 @@
                 <a:spcPct val="150000"/>
               </a:lnSpc>
             </a:pPr>
-            <a:r>
-              <a:rPr lang="en-US" altLang="zh-CN" sz="2000"/>
-              <a:t>	</a:t>
-            </a:r>
-            <a:r>
-              <a:rPr lang="zh-CN" altLang="en-US" sz="2000"/>
-              <a:t>最后感谢老师一学期来对我们的教导。</a:t>
-            </a:r>
-            <a:endParaRPr lang="zh-CN" altLang="en-US" sz="2000"/>
-          </a:p>
-        </p:txBody>
-      </p:sp>
-      <p:sp>
-        <p:nvSpPr>
-          <p:cNvPr id="4" name="文本框 3"/>
-          <p:cNvSpPr txBox="1"/>
-          <p:nvPr/>
-        </p:nvSpPr>
-        <p:spPr>
-          <a:xfrm>
-            <a:off x="914400" y="831215"/>
-            <a:ext cx="6038850" cy="706755"/>
-          </a:xfrm>
-          <a:prstGeom prst="rect">
-            <a:avLst/>
-          </a:prstGeom>
-          <a:noFill/>
-        </p:spPr>
-        <p:txBody>
-          <a:bodyPr wrap="square" rtlCol="0">
-            <a:spAutoFit/>
-          </a:bodyPr>
-          <a:p>
-            <a:r>
-              <a:rPr lang="zh-CN" altLang="en-US" sz="4000"/>
-              <a:t>结束语</a:t>
-            </a:r>
-            <a:endParaRPr lang="zh-CN" altLang="en-US" sz="4000"/>
+            <a:endParaRPr lang="zh-CN" altLang="en-US" sz="2800"/>
           </a:p>
         </p:txBody>
       </p:sp>
@@ -3463,6 +3427,334 @@
 </file>
 
 <file path=ppt/slides/slide11.xml><?xml version="1.0" encoding="utf-8"?>
+<p:sld xmlns:a="http://schemas.openxmlformats.org/drawingml/2006/main" xmlns:r="http://schemas.openxmlformats.org/officeDocument/2006/relationships" xmlns:p="http://schemas.openxmlformats.org/presentationml/2006/main">
+  <p:cSld>
+    <p:spTree>
+      <p:nvGrpSpPr>
+        <p:cNvPr id="1" name=""/>
+        <p:cNvGrpSpPr/>
+        <p:nvPr/>
+      </p:nvGrpSpPr>
+      <p:grpSpPr/>
+      <p:pic>
+        <p:nvPicPr>
+          <p:cNvPr id="3" name="图片 2" descr="QQ图片20200101194236"/>
+          <p:cNvPicPr>
+            <a:picLocks noChangeAspect="1"/>
+          </p:cNvPicPr>
+          <p:nvPr/>
+        </p:nvPicPr>
+        <p:blipFill>
+          <a:blip r:embed="rId1"/>
+          <a:stretch>
+            <a:fillRect/>
+          </a:stretch>
+        </p:blipFill>
+        <p:spPr>
+          <a:xfrm>
+            <a:off x="1066800" y="1330960"/>
+            <a:ext cx="10058400" cy="4824730"/>
+          </a:xfrm>
+          <a:prstGeom prst="rect">
+            <a:avLst/>
+          </a:prstGeom>
+        </p:spPr>
+      </p:pic>
+      <p:sp>
+        <p:nvSpPr>
+          <p:cNvPr id="2" name="文本框 1"/>
+          <p:cNvSpPr txBox="1"/>
+          <p:nvPr/>
+        </p:nvSpPr>
+        <p:spPr>
+          <a:xfrm>
+            <a:off x="944880" y="744855"/>
+            <a:ext cx="3092450" cy="460375"/>
+          </a:xfrm>
+          <a:prstGeom prst="rect">
+            <a:avLst/>
+          </a:prstGeom>
+          <a:noFill/>
+        </p:spPr>
+        <p:txBody>
+          <a:bodyPr wrap="square" rtlCol="0">
+            <a:spAutoFit/>
+          </a:bodyPr>
+          <a:p>
+            <a:r>
+              <a:rPr lang="zh-CN" altLang="en-US" sz="2400"/>
+              <a:t>蜀道迷宫页面实现</a:t>
+            </a:r>
+            <a:endParaRPr lang="zh-CN" altLang="en-US" sz="2400"/>
+          </a:p>
+        </p:txBody>
+      </p:sp>
+    </p:spTree>
+  </p:cSld>
+  <p:clrMapOvr>
+    <a:masterClrMapping/>
+  </p:clrMapOvr>
+  <p:transition spd="slow">
+    <p:wipe dir="d"/>
+  </p:transition>
+</p:sld>
+</file>
+
+<file path=ppt/slides/slide12.xml><?xml version="1.0" encoding="utf-8"?>
+<p:sld xmlns:a="http://schemas.openxmlformats.org/drawingml/2006/main" xmlns:r="http://schemas.openxmlformats.org/officeDocument/2006/relationships" xmlns:p="http://schemas.openxmlformats.org/presentationml/2006/main">
+  <p:cSld>
+    <p:spTree>
+      <p:nvGrpSpPr>
+        <p:cNvPr id="1" name=""/>
+        <p:cNvGrpSpPr/>
+        <p:nvPr/>
+      </p:nvGrpSpPr>
+      <p:grpSpPr/>
+      <p:sp>
+        <p:nvSpPr>
+          <p:cNvPr id="2" name="标题 1"/>
+          <p:cNvSpPr>
+            <a:spLocks noGrp="1"/>
+          </p:cNvSpPr>
+          <p:nvPr>
+            <p:ph type="title"/>
+          </p:nvPr>
+        </p:nvSpPr>
+        <p:spPr>
+          <a:xfrm>
+            <a:off x="1021817" y="731752"/>
+            <a:ext cx="7113116" cy="706755"/>
+          </a:xfrm>
+        </p:spPr>
+        <p:txBody>
+          <a:bodyPr/>
+          <a:p>
+            <a:r>
+              <a:rPr lang="zh-CN" altLang="en-US" sz="4000"/>
+              <a:t>美化改进</a:t>
+            </a:r>
+            <a:endParaRPr lang="zh-CN" altLang="en-US" sz="4000"/>
+          </a:p>
+        </p:txBody>
+      </p:sp>
+      <p:sp>
+        <p:nvSpPr>
+          <p:cNvPr id="4" name="文本框 3"/>
+          <p:cNvSpPr txBox="1"/>
+          <p:nvPr/>
+        </p:nvSpPr>
+        <p:spPr>
+          <a:xfrm>
+            <a:off x="1419225" y="1438275"/>
+            <a:ext cx="9413875" cy="829945"/>
+          </a:xfrm>
+          <a:prstGeom prst="rect">
+            <a:avLst/>
+          </a:prstGeom>
+          <a:noFill/>
+        </p:spPr>
+        <p:txBody>
+          <a:bodyPr wrap="square" rtlCol="0">
+            <a:spAutoFit/>
+          </a:bodyPr>
+          <a:p>
+            <a:r>
+              <a:rPr lang="zh-CN" altLang="en-US" sz="2400"/>
+              <a:t>在游戏制作完成后，我们发现游戏画面过于单调，于是我们将操纵的点改为英雄联盟中疾风剑豪的角色原型增加了游戏的趣味性。如下图</a:t>
+            </a:r>
+            <a:r>
+              <a:rPr lang="zh-CN" altLang="en-US"/>
+              <a:t>：</a:t>
+            </a:r>
+            <a:endParaRPr lang="zh-CN" altLang="en-US"/>
+          </a:p>
+        </p:txBody>
+      </p:sp>
+      <p:pic>
+        <p:nvPicPr>
+          <p:cNvPr id="5" name="图片 4" descr="$(Z58UQ]Y5(3SGIF7Y{F`P6"/>
+          <p:cNvPicPr>
+            <a:picLocks noChangeAspect="1"/>
+          </p:cNvPicPr>
+          <p:nvPr/>
+        </p:nvPicPr>
+        <p:blipFill>
+          <a:blip r:embed="rId1"/>
+          <a:srcRect l="1301" r="1152" b="-884"/>
+          <a:stretch>
+            <a:fillRect/>
+          </a:stretch>
+        </p:blipFill>
+        <p:spPr>
+          <a:xfrm>
+            <a:off x="1104900" y="2637155"/>
+            <a:ext cx="6238240" cy="3696970"/>
+          </a:xfrm>
+          <a:prstGeom prst="rect">
+            <a:avLst/>
+          </a:prstGeom>
+        </p:spPr>
+      </p:pic>
+      <p:pic>
+        <p:nvPicPr>
+          <p:cNvPr id="6" name="图片 5" descr="@()426GN12OGQ3~O{8E@SLB"/>
+          <p:cNvPicPr>
+            <a:picLocks noChangeAspect="1"/>
+          </p:cNvPicPr>
+          <p:nvPr/>
+        </p:nvPicPr>
+        <p:blipFill>
+          <a:blip r:embed="rId2"/>
+          <a:stretch>
+            <a:fillRect/>
+          </a:stretch>
+        </p:blipFill>
+        <p:spPr>
+          <a:xfrm>
+            <a:off x="7908925" y="2783840"/>
+            <a:ext cx="2706370" cy="2925445"/>
+          </a:xfrm>
+          <a:prstGeom prst="rect">
+            <a:avLst/>
+          </a:prstGeom>
+        </p:spPr>
+      </p:pic>
+    </p:spTree>
+  </p:cSld>
+  <p:clrMapOvr>
+    <a:masterClrMapping/>
+  </p:clrMapOvr>
+  <p:transition spd="slow">
+    <p:wipe dir="d"/>
+  </p:transition>
+</p:sld>
+</file>
+
+<file path=ppt/slides/slide13.xml><?xml version="1.0" encoding="utf-8"?>
+<p:sld xmlns:a="http://schemas.openxmlformats.org/drawingml/2006/main" xmlns:r="http://schemas.openxmlformats.org/officeDocument/2006/relationships" xmlns:p="http://schemas.openxmlformats.org/presentationml/2006/main">
+  <p:cSld>
+    <p:spTree>
+      <p:nvGrpSpPr>
+        <p:cNvPr id="1" name=""/>
+        <p:cNvGrpSpPr/>
+        <p:nvPr/>
+      </p:nvGrpSpPr>
+      <p:grpSpPr/>
+      <p:sp>
+        <p:nvSpPr>
+          <p:cNvPr id="3" name="文本框 2"/>
+          <p:cNvSpPr txBox="1"/>
+          <p:nvPr/>
+        </p:nvSpPr>
+        <p:spPr>
+          <a:xfrm>
+            <a:off x="1431925" y="1610995"/>
+            <a:ext cx="10002520" cy="4523105"/>
+          </a:xfrm>
+          <a:prstGeom prst="rect">
+            <a:avLst/>
+          </a:prstGeom>
+          <a:noFill/>
+        </p:spPr>
+        <p:txBody>
+          <a:bodyPr wrap="square" rtlCol="0">
+            <a:spAutoFit/>
+          </a:bodyPr>
+          <a:p>
+            <a:pPr fontAlgn="auto">
+              <a:lnSpc>
+                <a:spcPct val="150000"/>
+              </a:lnSpc>
+            </a:pPr>
+            <a:r>
+              <a:rPr lang="en-US" altLang="zh-CN" sz="2400"/>
+              <a:t>	</a:t>
+            </a:r>
+            <a:r>
+              <a:rPr lang="zh-CN" altLang="en-US" sz="2400"/>
+              <a:t>走迷宫的游戏功能已经基本实现，在此次课程设计过程中，书本上</a:t>
+            </a:r>
+            <a:r>
+              <a:rPr lang="en-US" altLang="zh-CN" sz="2400"/>
+              <a:t>p.131MazeMaker.java</a:t>
+            </a:r>
+            <a:r>
+              <a:rPr lang="zh-CN" altLang="en-US" sz="2400"/>
+              <a:t>代码中缺少</a:t>
+            </a:r>
+            <a:r>
+              <a:rPr lang="en-US" altLang="zh-CN" sz="2400"/>
+              <a:t>MazeMaker</a:t>
+            </a:r>
+            <a:r>
+              <a:rPr lang="zh-CN" altLang="en-US" sz="2400"/>
+              <a:t>接口类名，我们进行了更正。</a:t>
+            </a:r>
+            <a:r>
+              <a:rPr lang="zh-CN" altLang="en-US" sz="2400"/>
+              <a:t>通过这次“走迷宫’的课程设计更让我们意识到了理论与事件结合的在重要性，只有理论知识是完全不够的，我们还要学会将它运用到实践中，用它来实现我们所要做的项目。亲身的实践让我们对理论知识的一些难点和不懂的地方有了更好地理解与认识。希望以后能有更多的机会动手来进行操作。</a:t>
+            </a:r>
+            <a:endParaRPr lang="zh-CN" altLang="en-US" sz="2400"/>
+          </a:p>
+          <a:p>
+            <a:pPr fontAlgn="auto">
+              <a:lnSpc>
+                <a:spcPct val="150000"/>
+              </a:lnSpc>
+            </a:pPr>
+            <a:r>
+              <a:rPr lang="en-US" altLang="zh-CN" sz="2400"/>
+              <a:t>	</a:t>
+            </a:r>
+            <a:endParaRPr lang="zh-CN" altLang="en-US" sz="2400"/>
+          </a:p>
+        </p:txBody>
+      </p:sp>
+      <p:sp>
+        <p:nvSpPr>
+          <p:cNvPr id="4" name="文本框 3"/>
+          <p:cNvSpPr txBox="1"/>
+          <p:nvPr/>
+        </p:nvSpPr>
+        <p:spPr>
+          <a:xfrm>
+            <a:off x="1350645" y="810895"/>
+            <a:ext cx="6038850" cy="706755"/>
+          </a:xfrm>
+          <a:prstGeom prst="rect">
+            <a:avLst/>
+          </a:prstGeom>
+          <a:noFill/>
+        </p:spPr>
+        <p:txBody>
+          <a:bodyPr wrap="square" rtlCol="0">
+            <a:spAutoFit/>
+          </a:bodyPr>
+          <a:p>
+            <a:r>
+              <a:rPr lang="zh-CN" altLang="en-US" sz="4000"/>
+              <a:t>总</a:t>
+            </a:r>
+            <a:r>
+              <a:rPr lang="zh-CN" altLang="en-US" sz="4000"/>
+              <a:t>结</a:t>
+            </a:r>
+            <a:endParaRPr lang="zh-CN" altLang="en-US" sz="4000"/>
+          </a:p>
+        </p:txBody>
+      </p:sp>
+    </p:spTree>
+  </p:cSld>
+  <p:clrMapOvr>
+    <a:masterClrMapping/>
+  </p:clrMapOvr>
+  <p:transition spd="slow">
+    <p:wipe dir="d"/>
+  </p:transition>
+</p:sld>
+</file>
+
+<file path=ppt/slides/slide14.xml><?xml version="1.0" encoding="utf-8"?>
 <p:sld xmlns:a="http://schemas.openxmlformats.org/drawingml/2006/main" xmlns:r="http://schemas.openxmlformats.org/officeDocument/2006/relationships" xmlns:p="http://schemas.openxmlformats.org/presentationml/2006/main">
   <p:cSld>
     <p:spTree>
@@ -3771,6 +4063,890 @@
         <p:cNvGrpSpPr/>
         <p:nvPr/>
       </p:nvGrpSpPr>
+      <p:grpSpPr/>
+      <p:sp>
+        <p:nvSpPr>
+          <p:cNvPr id="2" name="标题 1"/>
+          <p:cNvSpPr>
+            <a:spLocks noGrp="1"/>
+          </p:cNvSpPr>
+          <p:nvPr>
+            <p:ph type="title"/>
+          </p:nvPr>
+        </p:nvSpPr>
+        <p:spPr>
+          <a:xfrm>
+            <a:off x="1995170" y="855345"/>
+            <a:ext cx="2589530" cy="768350"/>
+          </a:xfrm>
+        </p:spPr>
+        <p:txBody>
+          <a:bodyPr wrap="square"/>
+          <a:p>
+            <a:r>
+              <a:rPr lang="zh-CN" altLang="en-US" sz="4400" b="1"/>
+              <a:t>目录</a:t>
+            </a:r>
+            <a:endParaRPr lang="zh-CN" altLang="en-US" sz="4400" b="1"/>
+          </a:p>
+        </p:txBody>
+      </p:sp>
+      <p:sp>
+        <p:nvSpPr>
+          <p:cNvPr id="3" name="文本框 2"/>
+          <p:cNvSpPr txBox="1"/>
+          <p:nvPr/>
+        </p:nvSpPr>
+        <p:spPr>
+          <a:xfrm>
+            <a:off x="4117975" y="1237615"/>
+            <a:ext cx="4482465" cy="4523105"/>
+          </a:xfrm>
+          <a:prstGeom prst="rect">
+            <a:avLst/>
+          </a:prstGeom>
+          <a:noFill/>
+        </p:spPr>
+        <p:txBody>
+          <a:bodyPr wrap="square" rtlCol="0">
+            <a:spAutoFit/>
+          </a:bodyPr>
+          <a:p>
+            <a:pPr fontAlgn="auto">
+              <a:lnSpc>
+                <a:spcPct val="150000"/>
+              </a:lnSpc>
+            </a:pPr>
+            <a:r>
+              <a:rPr lang="en-US" altLang="zh-CN" sz="3200">
+                <a:ln w="12700">
+                  <a:solidFill>
+                    <a:schemeClr val="accent1"/>
+                  </a:solidFill>
+                  <a:prstDash val="solid"/>
+                </a:ln>
+                <a:pattFill prst="pct50">
+                  <a:fgClr>
+                    <a:schemeClr val="accent1"/>
+                  </a:fgClr>
+                  <a:bgClr>
+                    <a:schemeClr val="accent1">
+                      <a:lumMod val="20000"/>
+                      <a:lumOff val="80000"/>
+                    </a:schemeClr>
+                  </a:bgClr>
+                </a:pattFill>
+                <a:effectLst>
+                  <a:outerShdw dist="38100" dir="2640000" algn="bl" rotWithShape="0">
+                    <a:schemeClr val="accent1"/>
+                  </a:outerShdw>
+                </a:effectLst>
+                <a:latin typeface="华文琥珀" panose="02010800040101010101" charset="-122"/>
+                <a:ea typeface="华文琥珀" panose="02010800040101010101" charset="-122"/>
+                <a:cs typeface="华文琥珀" panose="02010800040101010101" charset="-122"/>
+              </a:rPr>
+              <a:t>1</a:t>
+            </a:r>
+            <a:r>
+              <a:rPr lang="zh-CN" altLang="en-US" sz="3200">
+                <a:ln w="12700">
+                  <a:solidFill>
+                    <a:schemeClr val="accent1"/>
+                  </a:solidFill>
+                  <a:prstDash val="solid"/>
+                </a:ln>
+                <a:pattFill prst="pct50">
+                  <a:fgClr>
+                    <a:schemeClr val="accent1"/>
+                  </a:fgClr>
+                  <a:bgClr>
+                    <a:schemeClr val="accent1">
+                      <a:lumMod val="20000"/>
+                      <a:lumOff val="80000"/>
+                    </a:schemeClr>
+                  </a:bgClr>
+                </a:pattFill>
+                <a:effectLst>
+                  <a:outerShdw dist="38100" dir="2640000" algn="bl" rotWithShape="0">
+                    <a:schemeClr val="accent1"/>
+                  </a:outerShdw>
+                </a:effectLst>
+                <a:latin typeface="华文琥珀" panose="02010800040101010101" charset="-122"/>
+                <a:ea typeface="华文琥珀" panose="02010800040101010101" charset="-122"/>
+                <a:cs typeface="华文琥珀" panose="02010800040101010101" charset="-122"/>
+              </a:rPr>
+              <a:t>、任务分配</a:t>
+            </a:r>
+            <a:endParaRPr lang="zh-CN" altLang="en-US" sz="3200">
+              <a:ln w="12700">
+                <a:solidFill>
+                  <a:schemeClr val="accent1"/>
+                </a:solidFill>
+                <a:prstDash val="solid"/>
+              </a:ln>
+              <a:pattFill prst="pct50">
+                <a:fgClr>
+                  <a:schemeClr val="accent1"/>
+                </a:fgClr>
+                <a:bgClr>
+                  <a:schemeClr val="accent1">
+                    <a:lumMod val="20000"/>
+                    <a:lumOff val="80000"/>
+                  </a:schemeClr>
+                </a:bgClr>
+              </a:pattFill>
+              <a:effectLst>
+                <a:outerShdw dist="38100" dir="2640000" algn="bl" rotWithShape="0">
+                  <a:schemeClr val="accent1"/>
+                </a:outerShdw>
+              </a:effectLst>
+              <a:latin typeface="华文琥珀" panose="02010800040101010101" charset="-122"/>
+              <a:ea typeface="华文琥珀" panose="02010800040101010101" charset="-122"/>
+              <a:cs typeface="华文琥珀" panose="02010800040101010101" charset="-122"/>
+            </a:endParaRPr>
+          </a:p>
+          <a:p>
+            <a:pPr fontAlgn="auto">
+              <a:lnSpc>
+                <a:spcPct val="150000"/>
+              </a:lnSpc>
+            </a:pPr>
+            <a:r>
+              <a:rPr lang="en-US" altLang="zh-CN" sz="3200">
+                <a:ln w="12700">
+                  <a:solidFill>
+                    <a:schemeClr val="accent1"/>
+                  </a:solidFill>
+                  <a:prstDash val="solid"/>
+                </a:ln>
+                <a:pattFill prst="pct50">
+                  <a:fgClr>
+                    <a:schemeClr val="accent1"/>
+                  </a:fgClr>
+                  <a:bgClr>
+                    <a:schemeClr val="accent1">
+                      <a:lumMod val="20000"/>
+                      <a:lumOff val="80000"/>
+                    </a:schemeClr>
+                  </a:bgClr>
+                </a:pattFill>
+                <a:effectLst>
+                  <a:outerShdw dist="38100" dir="2640000" algn="bl" rotWithShape="0">
+                    <a:schemeClr val="accent1"/>
+                  </a:outerShdw>
+                </a:effectLst>
+                <a:latin typeface="华文琥珀" panose="02010800040101010101" charset="-122"/>
+                <a:ea typeface="华文琥珀" panose="02010800040101010101" charset="-122"/>
+                <a:cs typeface="华文琥珀" panose="02010800040101010101" charset="-122"/>
+              </a:rPr>
+              <a:t>2</a:t>
+            </a:r>
+            <a:r>
+              <a:rPr lang="zh-CN" altLang="en-US" sz="3200">
+                <a:ln w="12700">
+                  <a:solidFill>
+                    <a:schemeClr val="accent1"/>
+                  </a:solidFill>
+                  <a:prstDash val="solid"/>
+                </a:ln>
+                <a:pattFill prst="pct50">
+                  <a:fgClr>
+                    <a:schemeClr val="accent1"/>
+                  </a:fgClr>
+                  <a:bgClr>
+                    <a:schemeClr val="accent1">
+                      <a:lumMod val="20000"/>
+                      <a:lumOff val="80000"/>
+                    </a:schemeClr>
+                  </a:bgClr>
+                </a:pattFill>
+                <a:effectLst>
+                  <a:outerShdw dist="38100" dir="2640000" algn="bl" rotWithShape="0">
+                    <a:schemeClr val="accent1"/>
+                  </a:outerShdw>
+                </a:effectLst>
+                <a:latin typeface="华文琥珀" panose="02010800040101010101" charset="-122"/>
+                <a:ea typeface="华文琥珀" panose="02010800040101010101" charset="-122"/>
+                <a:cs typeface="华文琥珀" panose="02010800040101010101" charset="-122"/>
+              </a:rPr>
+              <a:t>、程序功能</a:t>
+            </a:r>
+            <a:endParaRPr lang="zh-CN" altLang="en-US" sz="3200">
+              <a:ln w="12700">
+                <a:solidFill>
+                  <a:schemeClr val="accent1"/>
+                </a:solidFill>
+                <a:prstDash val="solid"/>
+              </a:ln>
+              <a:pattFill prst="pct50">
+                <a:fgClr>
+                  <a:schemeClr val="accent1"/>
+                </a:fgClr>
+                <a:bgClr>
+                  <a:schemeClr val="accent1">
+                    <a:lumMod val="20000"/>
+                    <a:lumOff val="80000"/>
+                  </a:schemeClr>
+                </a:bgClr>
+              </a:pattFill>
+              <a:effectLst>
+                <a:outerShdw dist="38100" dir="2640000" algn="bl" rotWithShape="0">
+                  <a:schemeClr val="accent1"/>
+                </a:outerShdw>
+              </a:effectLst>
+              <a:latin typeface="华文琥珀" panose="02010800040101010101" charset="-122"/>
+              <a:ea typeface="华文琥珀" panose="02010800040101010101" charset="-122"/>
+              <a:cs typeface="华文琥珀" panose="02010800040101010101" charset="-122"/>
+            </a:endParaRPr>
+          </a:p>
+          <a:p>
+            <a:pPr fontAlgn="auto">
+              <a:lnSpc>
+                <a:spcPct val="150000"/>
+              </a:lnSpc>
+            </a:pPr>
+            <a:r>
+              <a:rPr lang="en-US" altLang="zh-CN" sz="3200">
+                <a:ln w="12700">
+                  <a:solidFill>
+                    <a:schemeClr val="accent1"/>
+                  </a:solidFill>
+                  <a:prstDash val="solid"/>
+                </a:ln>
+                <a:pattFill prst="pct50">
+                  <a:fgClr>
+                    <a:schemeClr val="accent1"/>
+                  </a:fgClr>
+                  <a:bgClr>
+                    <a:schemeClr val="accent1">
+                      <a:lumMod val="20000"/>
+                      <a:lumOff val="80000"/>
+                    </a:schemeClr>
+                  </a:bgClr>
+                </a:pattFill>
+                <a:effectLst>
+                  <a:outerShdw dist="38100" dir="2640000" algn="bl" rotWithShape="0">
+                    <a:schemeClr val="accent1"/>
+                  </a:outerShdw>
+                </a:effectLst>
+                <a:latin typeface="华文琥珀" panose="02010800040101010101" charset="-122"/>
+                <a:ea typeface="华文琥珀" panose="02010800040101010101" charset="-122"/>
+                <a:cs typeface="华文琥珀" panose="02010800040101010101" charset="-122"/>
+              </a:rPr>
+              <a:t>3</a:t>
+            </a:r>
+            <a:r>
+              <a:rPr lang="zh-CN" altLang="en-US" sz="3200">
+                <a:ln w="12700">
+                  <a:solidFill>
+                    <a:schemeClr val="accent1"/>
+                  </a:solidFill>
+                  <a:prstDash val="solid"/>
+                </a:ln>
+                <a:pattFill prst="pct50">
+                  <a:fgClr>
+                    <a:schemeClr val="accent1"/>
+                  </a:fgClr>
+                  <a:bgClr>
+                    <a:schemeClr val="accent1">
+                      <a:lumMod val="20000"/>
+                      <a:lumOff val="80000"/>
+                    </a:schemeClr>
+                  </a:bgClr>
+                </a:pattFill>
+                <a:effectLst>
+                  <a:outerShdw dist="38100" dir="2640000" algn="bl" rotWithShape="0">
+                    <a:schemeClr val="accent1"/>
+                  </a:outerShdw>
+                </a:effectLst>
+                <a:latin typeface="华文琥珀" panose="02010800040101010101" charset="-122"/>
+                <a:ea typeface="华文琥珀" panose="02010800040101010101" charset="-122"/>
+                <a:cs typeface="华文琥珀" panose="02010800040101010101" charset="-122"/>
+              </a:rPr>
+              <a:t>、程序</a:t>
+            </a:r>
+            <a:r>
+              <a:rPr lang="en-US" altLang="zh-CN" sz="3200">
+                <a:ln w="12700">
+                  <a:solidFill>
+                    <a:schemeClr val="accent1"/>
+                  </a:solidFill>
+                  <a:prstDash val="solid"/>
+                </a:ln>
+                <a:pattFill prst="pct50">
+                  <a:fgClr>
+                    <a:schemeClr val="accent1"/>
+                  </a:fgClr>
+                  <a:bgClr>
+                    <a:schemeClr val="accent1">
+                      <a:lumMod val="20000"/>
+                      <a:lumOff val="80000"/>
+                    </a:schemeClr>
+                  </a:bgClr>
+                </a:pattFill>
+                <a:effectLst>
+                  <a:outerShdw dist="38100" dir="2640000" algn="bl" rotWithShape="0">
+                    <a:schemeClr val="accent1"/>
+                  </a:outerShdw>
+                </a:effectLst>
+                <a:latin typeface="华文琥珀" panose="02010800040101010101" charset="-122"/>
+                <a:ea typeface="华文琥珀" panose="02010800040101010101" charset="-122"/>
+                <a:cs typeface="华文琥珀" panose="02010800040101010101" charset="-122"/>
+              </a:rPr>
+              <a:t>UML</a:t>
+            </a:r>
+            <a:r>
+              <a:rPr lang="zh-CN" altLang="en-US" sz="3200">
+                <a:ln w="12700">
+                  <a:solidFill>
+                    <a:schemeClr val="accent1"/>
+                  </a:solidFill>
+                  <a:prstDash val="solid"/>
+                </a:ln>
+                <a:pattFill prst="pct50">
+                  <a:fgClr>
+                    <a:schemeClr val="accent1"/>
+                  </a:fgClr>
+                  <a:bgClr>
+                    <a:schemeClr val="accent1">
+                      <a:lumMod val="20000"/>
+                      <a:lumOff val="80000"/>
+                    </a:schemeClr>
+                  </a:bgClr>
+                </a:pattFill>
+                <a:effectLst>
+                  <a:outerShdw dist="38100" dir="2640000" algn="bl" rotWithShape="0">
+                    <a:schemeClr val="accent1"/>
+                  </a:outerShdw>
+                </a:effectLst>
+                <a:latin typeface="华文琥珀" panose="02010800040101010101" charset="-122"/>
+                <a:ea typeface="华文琥珀" panose="02010800040101010101" charset="-122"/>
+                <a:cs typeface="华文琥珀" panose="02010800040101010101" charset="-122"/>
+              </a:rPr>
+              <a:t>图</a:t>
+            </a:r>
+            <a:endParaRPr lang="zh-CN" altLang="en-US" sz="3200">
+              <a:ln w="12700">
+                <a:solidFill>
+                  <a:schemeClr val="accent1"/>
+                </a:solidFill>
+                <a:prstDash val="solid"/>
+              </a:ln>
+              <a:pattFill prst="pct50">
+                <a:fgClr>
+                  <a:schemeClr val="accent1"/>
+                </a:fgClr>
+                <a:bgClr>
+                  <a:schemeClr val="accent1">
+                    <a:lumMod val="20000"/>
+                    <a:lumOff val="80000"/>
+                  </a:schemeClr>
+                </a:bgClr>
+              </a:pattFill>
+              <a:effectLst>
+                <a:outerShdw dist="38100" dir="2640000" algn="bl" rotWithShape="0">
+                  <a:schemeClr val="accent1"/>
+                </a:outerShdw>
+              </a:effectLst>
+              <a:latin typeface="华文琥珀" panose="02010800040101010101" charset="-122"/>
+              <a:ea typeface="华文琥珀" panose="02010800040101010101" charset="-122"/>
+              <a:cs typeface="华文琥珀" panose="02010800040101010101" charset="-122"/>
+            </a:endParaRPr>
+          </a:p>
+          <a:p>
+            <a:pPr fontAlgn="auto">
+              <a:lnSpc>
+                <a:spcPct val="150000"/>
+              </a:lnSpc>
+            </a:pPr>
+            <a:r>
+              <a:rPr lang="en-US" altLang="zh-CN" sz="3200">
+                <a:ln w="12700">
+                  <a:solidFill>
+                    <a:schemeClr val="accent1"/>
+                  </a:solidFill>
+                  <a:prstDash val="solid"/>
+                </a:ln>
+                <a:pattFill prst="pct50">
+                  <a:fgClr>
+                    <a:schemeClr val="accent1"/>
+                  </a:fgClr>
+                  <a:bgClr>
+                    <a:schemeClr val="accent1">
+                      <a:lumMod val="20000"/>
+                      <a:lumOff val="80000"/>
+                    </a:schemeClr>
+                  </a:bgClr>
+                </a:pattFill>
+                <a:effectLst>
+                  <a:outerShdw dist="38100" dir="2640000" algn="bl" rotWithShape="0">
+                    <a:schemeClr val="accent1"/>
+                  </a:outerShdw>
+                </a:effectLst>
+                <a:latin typeface="华文琥珀" panose="02010800040101010101" charset="-122"/>
+                <a:ea typeface="华文琥珀" panose="02010800040101010101" charset="-122"/>
+                <a:cs typeface="华文琥珀" panose="02010800040101010101" charset="-122"/>
+              </a:rPr>
+              <a:t>4</a:t>
+            </a:r>
+            <a:r>
+              <a:rPr lang="zh-CN" altLang="en-US" sz="3200">
+                <a:ln w="12700">
+                  <a:solidFill>
+                    <a:schemeClr val="accent1"/>
+                  </a:solidFill>
+                  <a:prstDash val="solid"/>
+                </a:ln>
+                <a:pattFill prst="pct50">
+                  <a:fgClr>
+                    <a:schemeClr val="accent1"/>
+                  </a:fgClr>
+                  <a:bgClr>
+                    <a:schemeClr val="accent1">
+                      <a:lumMod val="20000"/>
+                      <a:lumOff val="80000"/>
+                    </a:schemeClr>
+                  </a:bgClr>
+                </a:pattFill>
+                <a:effectLst>
+                  <a:outerShdw dist="38100" dir="2640000" algn="bl" rotWithShape="0">
+                    <a:schemeClr val="accent1"/>
+                  </a:outerShdw>
+                </a:effectLst>
+                <a:latin typeface="华文琥珀" panose="02010800040101010101" charset="-122"/>
+                <a:ea typeface="华文琥珀" panose="02010800040101010101" charset="-122"/>
+                <a:cs typeface="华文琥珀" panose="02010800040101010101" charset="-122"/>
+              </a:rPr>
+              <a:t>、游戏介绍</a:t>
+            </a:r>
+            <a:endParaRPr lang="zh-CN" altLang="en-US" sz="3200">
+              <a:ln w="12700">
+                <a:solidFill>
+                  <a:schemeClr val="accent1"/>
+                </a:solidFill>
+                <a:prstDash val="solid"/>
+              </a:ln>
+              <a:pattFill prst="pct50">
+                <a:fgClr>
+                  <a:schemeClr val="accent1"/>
+                </a:fgClr>
+                <a:bgClr>
+                  <a:schemeClr val="accent1">
+                    <a:lumMod val="20000"/>
+                    <a:lumOff val="80000"/>
+                  </a:schemeClr>
+                </a:bgClr>
+              </a:pattFill>
+              <a:effectLst>
+                <a:outerShdw dist="38100" dir="2640000" algn="bl" rotWithShape="0">
+                  <a:schemeClr val="accent1"/>
+                </a:outerShdw>
+              </a:effectLst>
+              <a:latin typeface="华文琥珀" panose="02010800040101010101" charset="-122"/>
+              <a:ea typeface="华文琥珀" panose="02010800040101010101" charset="-122"/>
+              <a:cs typeface="华文琥珀" panose="02010800040101010101" charset="-122"/>
+            </a:endParaRPr>
+          </a:p>
+          <a:p>
+            <a:pPr fontAlgn="auto">
+              <a:lnSpc>
+                <a:spcPct val="150000"/>
+              </a:lnSpc>
+            </a:pPr>
+            <a:r>
+              <a:rPr lang="en-US" altLang="zh-CN" sz="3200">
+                <a:ln w="12700">
+                  <a:solidFill>
+                    <a:schemeClr val="accent1"/>
+                  </a:solidFill>
+                  <a:prstDash val="solid"/>
+                </a:ln>
+                <a:pattFill prst="pct50">
+                  <a:fgClr>
+                    <a:schemeClr val="accent1"/>
+                  </a:fgClr>
+                  <a:bgClr>
+                    <a:schemeClr val="accent1">
+                      <a:lumMod val="20000"/>
+                      <a:lumOff val="80000"/>
+                    </a:schemeClr>
+                  </a:bgClr>
+                </a:pattFill>
+                <a:effectLst>
+                  <a:outerShdw dist="38100" dir="2640000" algn="bl" rotWithShape="0">
+                    <a:schemeClr val="accent1"/>
+                  </a:outerShdw>
+                </a:effectLst>
+                <a:latin typeface="华文琥珀" panose="02010800040101010101" charset="-122"/>
+                <a:ea typeface="华文琥珀" panose="02010800040101010101" charset="-122"/>
+                <a:cs typeface="华文琥珀" panose="02010800040101010101" charset="-122"/>
+              </a:rPr>
+              <a:t>5</a:t>
+            </a:r>
+            <a:r>
+              <a:rPr lang="zh-CN" altLang="en-US" sz="3200">
+                <a:ln w="12700">
+                  <a:solidFill>
+                    <a:schemeClr val="accent1"/>
+                  </a:solidFill>
+                  <a:prstDash val="solid"/>
+                </a:ln>
+                <a:pattFill prst="pct50">
+                  <a:fgClr>
+                    <a:schemeClr val="accent1"/>
+                  </a:fgClr>
+                  <a:bgClr>
+                    <a:schemeClr val="accent1">
+                      <a:lumMod val="20000"/>
+                      <a:lumOff val="80000"/>
+                    </a:schemeClr>
+                  </a:bgClr>
+                </a:pattFill>
+                <a:effectLst>
+                  <a:outerShdw dist="38100" dir="2640000" algn="bl" rotWithShape="0">
+                    <a:schemeClr val="accent1"/>
+                  </a:outerShdw>
+                </a:effectLst>
+                <a:latin typeface="华文琥珀" panose="02010800040101010101" charset="-122"/>
+                <a:ea typeface="华文琥珀" panose="02010800040101010101" charset="-122"/>
+                <a:cs typeface="华文琥珀" panose="02010800040101010101" charset="-122"/>
+              </a:rPr>
+              <a:t>、美化改进</a:t>
+            </a:r>
+            <a:endParaRPr lang="zh-CN" altLang="en-US" sz="3200">
+              <a:ln w="12700">
+                <a:solidFill>
+                  <a:schemeClr val="accent1"/>
+                </a:solidFill>
+                <a:prstDash val="solid"/>
+              </a:ln>
+              <a:pattFill prst="pct50">
+                <a:fgClr>
+                  <a:schemeClr val="accent1"/>
+                </a:fgClr>
+                <a:bgClr>
+                  <a:schemeClr val="accent1">
+                    <a:lumMod val="20000"/>
+                    <a:lumOff val="80000"/>
+                  </a:schemeClr>
+                </a:bgClr>
+              </a:pattFill>
+              <a:effectLst>
+                <a:outerShdw dist="38100" dir="2640000" algn="bl" rotWithShape="0">
+                  <a:schemeClr val="accent1"/>
+                </a:outerShdw>
+              </a:effectLst>
+              <a:latin typeface="华文琥珀" panose="02010800040101010101" charset="-122"/>
+              <a:ea typeface="华文琥珀" panose="02010800040101010101" charset="-122"/>
+              <a:cs typeface="华文琥珀" panose="02010800040101010101" charset="-122"/>
+            </a:endParaRPr>
+          </a:p>
+          <a:p>
+            <a:pPr fontAlgn="auto">
+              <a:lnSpc>
+                <a:spcPct val="150000"/>
+              </a:lnSpc>
+            </a:pPr>
+            <a:r>
+              <a:rPr lang="en-US" altLang="zh-CN" sz="3200">
+                <a:ln w="12700">
+                  <a:solidFill>
+                    <a:schemeClr val="accent1"/>
+                  </a:solidFill>
+                  <a:prstDash val="solid"/>
+                </a:ln>
+                <a:pattFill prst="pct50">
+                  <a:fgClr>
+                    <a:schemeClr val="accent1"/>
+                  </a:fgClr>
+                  <a:bgClr>
+                    <a:schemeClr val="accent1">
+                      <a:lumMod val="20000"/>
+                      <a:lumOff val="80000"/>
+                    </a:schemeClr>
+                  </a:bgClr>
+                </a:pattFill>
+                <a:effectLst>
+                  <a:outerShdw dist="38100" dir="2640000" algn="bl" rotWithShape="0">
+                    <a:schemeClr val="accent1"/>
+                  </a:outerShdw>
+                </a:effectLst>
+                <a:latin typeface="华文琥珀" panose="02010800040101010101" charset="-122"/>
+                <a:ea typeface="华文琥珀" panose="02010800040101010101" charset="-122"/>
+                <a:cs typeface="华文琥珀" panose="02010800040101010101" charset="-122"/>
+              </a:rPr>
+              <a:t>6</a:t>
+            </a:r>
+            <a:r>
+              <a:rPr lang="zh-CN" altLang="en-US" sz="3200">
+                <a:ln w="12700">
+                  <a:solidFill>
+                    <a:schemeClr val="accent1"/>
+                  </a:solidFill>
+                  <a:prstDash val="solid"/>
+                </a:ln>
+                <a:pattFill prst="pct50">
+                  <a:fgClr>
+                    <a:schemeClr val="accent1"/>
+                  </a:fgClr>
+                  <a:bgClr>
+                    <a:schemeClr val="accent1">
+                      <a:lumMod val="20000"/>
+                      <a:lumOff val="80000"/>
+                    </a:schemeClr>
+                  </a:bgClr>
+                </a:pattFill>
+                <a:effectLst>
+                  <a:outerShdw dist="38100" dir="2640000" algn="bl" rotWithShape="0">
+                    <a:schemeClr val="accent1"/>
+                  </a:outerShdw>
+                </a:effectLst>
+                <a:latin typeface="华文琥珀" panose="02010800040101010101" charset="-122"/>
+                <a:ea typeface="华文琥珀" panose="02010800040101010101" charset="-122"/>
+                <a:cs typeface="华文琥珀" panose="02010800040101010101" charset="-122"/>
+              </a:rPr>
+              <a:t>、总结</a:t>
+            </a:r>
+            <a:endParaRPr lang="zh-CN" altLang="en-US" sz="3200">
+              <a:ln w="12700">
+                <a:solidFill>
+                  <a:schemeClr val="accent1"/>
+                </a:solidFill>
+                <a:prstDash val="solid"/>
+              </a:ln>
+              <a:pattFill prst="pct50">
+                <a:fgClr>
+                  <a:schemeClr val="accent1"/>
+                </a:fgClr>
+                <a:bgClr>
+                  <a:schemeClr val="accent1">
+                    <a:lumMod val="20000"/>
+                    <a:lumOff val="80000"/>
+                  </a:schemeClr>
+                </a:bgClr>
+              </a:pattFill>
+              <a:effectLst>
+                <a:outerShdw dist="38100" dir="2640000" algn="bl" rotWithShape="0">
+                  <a:schemeClr val="accent1"/>
+                </a:outerShdw>
+              </a:effectLst>
+              <a:latin typeface="华文琥珀" panose="02010800040101010101" charset="-122"/>
+              <a:ea typeface="华文琥珀" panose="02010800040101010101" charset="-122"/>
+              <a:cs typeface="华文琥珀" panose="02010800040101010101" charset="-122"/>
+            </a:endParaRPr>
+          </a:p>
+        </p:txBody>
+      </p:sp>
+    </p:spTree>
+  </p:cSld>
+  <p:clrMapOvr>
+    <a:masterClrMapping/>
+  </p:clrMapOvr>
+  <p:transition spd="slow">
+    <p:wipe dir="d"/>
+  </p:transition>
+</p:sld>
+</file>
+
+<file path=ppt/slides/slide3.xml><?xml version="1.0" encoding="utf-8"?>
+<p:sld xmlns:a="http://schemas.openxmlformats.org/drawingml/2006/main" xmlns:r="http://schemas.openxmlformats.org/officeDocument/2006/relationships" xmlns:p="http://schemas.openxmlformats.org/presentationml/2006/main">
+  <p:cSld>
+    <p:spTree>
+      <p:nvGrpSpPr>
+        <p:cNvPr id="1" name=""/>
+        <p:cNvGrpSpPr/>
+        <p:nvPr/>
+      </p:nvGrpSpPr>
+      <p:grpSpPr/>
+      <p:sp>
+        <p:nvSpPr>
+          <p:cNvPr id="2" name="标题 1"/>
+          <p:cNvSpPr>
+            <a:spLocks noGrp="1"/>
+          </p:cNvSpPr>
+          <p:nvPr>
+            <p:ph type="title"/>
+          </p:nvPr>
+        </p:nvSpPr>
+        <p:spPr>
+          <a:xfrm>
+            <a:off x="869417" y="764137"/>
+            <a:ext cx="7113116" cy="706755"/>
+          </a:xfrm>
+        </p:spPr>
+        <p:txBody>
+          <a:bodyPr/>
+          <a:p>
+            <a:r>
+              <a:rPr lang="zh-CN" altLang="en-US" sz="4000"/>
+              <a:t>任务分工</a:t>
+            </a:r>
+            <a:endParaRPr lang="zh-CN" altLang="en-US" sz="4000"/>
+          </a:p>
+        </p:txBody>
+      </p:sp>
+      <p:sp>
+        <p:nvSpPr>
+          <p:cNvPr id="3" name="文本框 2"/>
+          <p:cNvSpPr txBox="1"/>
+          <p:nvPr/>
+        </p:nvSpPr>
+        <p:spPr>
+          <a:xfrm>
+            <a:off x="1482090" y="1578610"/>
+            <a:ext cx="10572115" cy="4523105"/>
+          </a:xfrm>
+          <a:prstGeom prst="rect">
+            <a:avLst/>
+          </a:prstGeom>
+          <a:noFill/>
+        </p:spPr>
+        <p:txBody>
+          <a:bodyPr wrap="square" rtlCol="0">
+            <a:spAutoFit/>
+          </a:bodyPr>
+          <a:p>
+            <a:r>
+              <a:rPr lang="zh-CN" altLang="en-US"/>
+              <a:t>1、源代码</a:t>
+            </a:r>
+            <a:endParaRPr lang="zh-CN" altLang="en-US"/>
+          </a:p>
+          <a:p>
+            <a:r>
+              <a:rPr lang="zh-CN" altLang="en-US"/>
+              <a:t>寿锡麟：Point类，Mazemaker接口，SetRoad类，AppWindow类</a:t>
+            </a:r>
+            <a:endParaRPr lang="zh-CN" altLang="en-US"/>
+          </a:p>
+          <a:p>
+            <a:r>
+              <a:rPr lang="zh-CN" altLang="en-US"/>
+              <a:t>吴柏杨：MazeByRandom类</a:t>
+            </a:r>
+            <a:endParaRPr lang="zh-CN" altLang="en-US"/>
+          </a:p>
+          <a:p>
+            <a:r>
+              <a:rPr lang="zh-CN" altLang="en-US"/>
+              <a:t>王力学：MazeByFile类，SetChargeOnRoad类，ChargeOnRoad类，AppTest类</a:t>
+            </a:r>
+            <a:endParaRPr lang="zh-CN" altLang="en-US"/>
+          </a:p>
+          <a:p>
+            <a:r>
+              <a:rPr lang="zh-CN" altLang="en-US"/>
+              <a:t>戴佳森：PersonInMaze类，MazeView类，RandomMazzeView类</a:t>
+            </a:r>
+            <a:endParaRPr lang="zh-CN" altLang="en-US"/>
+          </a:p>
+          <a:p>
+            <a:r>
+              <a:rPr lang="zh-CN" altLang="en-US"/>
+              <a:t>顾书财：FixedMazeView类，IntegrationView类，HandleMove类</a:t>
+            </a:r>
+            <a:endParaRPr lang="zh-CN" altLang="en-US"/>
+          </a:p>
+          <a:p>
+            <a:r>
+              <a:rPr lang="zh-CN" altLang="en-US"/>
+              <a:t>2、使用文档 （负责人：寿锡麟）</a:t>
+            </a:r>
+            <a:endParaRPr lang="zh-CN" altLang="en-US"/>
+          </a:p>
+          <a:p>
+            <a:r>
+              <a:rPr lang="zh-CN" altLang="en-US"/>
+              <a:t>编写使用说明书</a:t>
+            </a:r>
+            <a:endParaRPr lang="zh-CN" altLang="en-US"/>
+          </a:p>
+          <a:p>
+            <a:r>
+              <a:rPr lang="zh-CN" altLang="en-US"/>
+              <a:t>3、开发文档 （负责人：寿锡麟）</a:t>
+            </a:r>
+            <a:endParaRPr lang="zh-CN" altLang="en-US"/>
+          </a:p>
+          <a:p>
+            <a:r>
+              <a:rPr lang="zh-CN" altLang="en-US"/>
+              <a:t>编写程序的设计文档：这个应用程序要完成什么功能，并设计程序的界面</a:t>
+            </a:r>
+            <a:endParaRPr lang="zh-CN" altLang="en-US"/>
+          </a:p>
+          <a:p>
+            <a:r>
+              <a:rPr lang="zh-CN" altLang="en-US"/>
+              <a:t>4、.测试（负责人：顾书财、戴佳森、吴柏杨）</a:t>
+            </a:r>
+            <a:endParaRPr lang="zh-CN" altLang="en-US"/>
+          </a:p>
+          <a:p>
+            <a:r>
+              <a:rPr lang="zh-CN" altLang="en-US"/>
+              <a:t>测试编写的代码可否运行</a:t>
+            </a:r>
+            <a:endParaRPr lang="zh-CN" altLang="en-US"/>
+          </a:p>
+          <a:p>
+            <a:r>
+              <a:rPr lang="zh-CN" altLang="en-US"/>
+              <a:t>5、测试文档（负责人：王力学）</a:t>
+            </a:r>
+            <a:endParaRPr lang="zh-CN" altLang="en-US"/>
+          </a:p>
+          <a:p>
+            <a:r>
+              <a:rPr lang="zh-CN" altLang="en-US"/>
+              <a:t>编写测试文档</a:t>
+            </a:r>
+            <a:endParaRPr lang="zh-CN" altLang="en-US"/>
+          </a:p>
+          <a:p>
+            <a:r>
+              <a:rPr lang="zh-CN" altLang="en-US"/>
+              <a:t>6.PPT制作（负责人：王力学）</a:t>
+            </a:r>
+            <a:endParaRPr lang="zh-CN" altLang="en-US"/>
+          </a:p>
+          <a:p>
+            <a:r>
+              <a:rPr lang="en-US" altLang="zh-CN"/>
+              <a:t>7</a:t>
+            </a:r>
+            <a:r>
+              <a:rPr lang="zh-CN" altLang="en-US"/>
+              <a:t>、</a:t>
+            </a:r>
+            <a:r>
+              <a:rPr lang="zh-CN" altLang="en-US"/>
+              <a:t>答辩：顾书财</a:t>
+            </a:r>
+            <a:endParaRPr lang="zh-CN" altLang="en-US"/>
+          </a:p>
+        </p:txBody>
+      </p:sp>
+    </p:spTree>
+  </p:cSld>
+  <p:clrMapOvr>
+    <a:masterClrMapping/>
+  </p:clrMapOvr>
+  <p:transition spd="slow">
+    <p:wipe dir="d"/>
+  </p:transition>
+</p:sld>
+</file>
+
+<file path=ppt/slides/slide4.xml><?xml version="1.0" encoding="utf-8"?>
+<p:sld xmlns:a="http://schemas.openxmlformats.org/drawingml/2006/main" xmlns:r="http://schemas.openxmlformats.org/officeDocument/2006/relationships" xmlns:p="http://schemas.openxmlformats.org/presentationml/2006/main">
+  <p:cSld>
+    <p:spTree>
+      <p:nvGrpSpPr>
+        <p:cNvPr id="1" name=""/>
+        <p:cNvGrpSpPr/>
+        <p:nvPr/>
+      </p:nvGrpSpPr>
       <p:grpSpPr>
         <a:xfrm>
           <a:off x="0" y="0"/>
@@ -3816,8 +4992,8 @@
         </p:nvSpPr>
         <p:spPr>
           <a:xfrm>
-            <a:off x="1325880" y="1897380"/>
-            <a:ext cx="6582410" cy="3784600"/>
+            <a:off x="1660525" y="1623695"/>
+            <a:ext cx="9340215" cy="3969385"/>
           </a:xfrm>
           <a:prstGeom prst="rect">
             <a:avLst/>
@@ -3829,6 +5005,11 @@
             <a:spAutoFit/>
           </a:bodyPr>
           <a:p>
+            <a:pPr fontAlgn="auto">
+              <a:lnSpc>
+                <a:spcPct val="150000"/>
+              </a:lnSpc>
+            </a:pPr>
             <a:r>
               <a:rPr lang="zh-CN" altLang="en-US" sz="2400">
                 <a:sym typeface="+mn-ea"/>
@@ -3838,6 +5019,11 @@
             <a:endParaRPr lang="zh-CN" altLang="en-US" sz="2400"/>
           </a:p>
           <a:p>
+            <a:pPr fontAlgn="auto">
+              <a:lnSpc>
+                <a:spcPct val="150000"/>
+              </a:lnSpc>
+            </a:pPr>
             <a:r>
               <a:rPr lang="zh-CN" altLang="en-US" sz="2400">
                 <a:sym typeface="+mn-ea"/>
@@ -3847,6 +5033,11 @@
             <a:endParaRPr lang="zh-CN" altLang="en-US" sz="2400"/>
           </a:p>
           <a:p>
+            <a:pPr fontAlgn="auto">
+              <a:lnSpc>
+                <a:spcPct val="150000"/>
+              </a:lnSpc>
+            </a:pPr>
             <a:r>
               <a:rPr lang="zh-CN" altLang="en-US" sz="2400">
                 <a:sym typeface="+mn-ea"/>
@@ -3856,6 +5047,11 @@
             <a:endParaRPr lang="zh-CN" altLang="en-US" sz="2400"/>
           </a:p>
           <a:p>
+            <a:pPr fontAlgn="auto">
+              <a:lnSpc>
+                <a:spcPct val="150000"/>
+              </a:lnSpc>
+            </a:pPr>
             <a:r>
               <a:rPr lang="zh-CN" altLang="en-US" sz="2400">
                 <a:sym typeface="+mn-ea"/>
@@ -3886,7 +5082,7 @@
 </p:sld>
 </file>
 
-<file path=ppt/slides/slide3.xml><?xml version="1.0" encoding="utf-8"?>
+<file path=ppt/slides/slide5.xml><?xml version="1.0" encoding="utf-8"?>
 <p:sld xmlns:a="http://schemas.openxmlformats.org/drawingml/2006/main" xmlns:r="http://schemas.openxmlformats.org/officeDocument/2006/relationships" xmlns:p="http://schemas.openxmlformats.org/presentationml/2006/main">
   <p:cSld>
     <p:spTree>
@@ -4499,7 +5695,7 @@
 </p:sld>
 </file>
 
-<file path=ppt/slides/slide4.xml><?xml version="1.0" encoding="utf-8"?>
+<file path=ppt/slides/slide6.xml><?xml version="1.0" encoding="utf-8"?>
 <p:sld xmlns:a="http://schemas.openxmlformats.org/drawingml/2006/main" xmlns:r="http://schemas.openxmlformats.org/officeDocument/2006/relationships" xmlns:p="http://schemas.openxmlformats.org/presentationml/2006/main">
   <p:cSld>
     <p:spTree>
@@ -4558,526 +5754,8 @@
         </p:blipFill>
         <p:spPr>
           <a:xfrm>
-            <a:off x="4159250" y="726440"/>
-            <a:ext cx="5528945" cy="2713355"/>
-          </a:xfrm>
-          <a:prstGeom prst="rect">
-            <a:avLst/>
-          </a:prstGeom>
-        </p:spPr>
-      </p:pic>
-      <p:sp>
-        <p:nvSpPr>
-          <p:cNvPr id="6" name="文本框 5"/>
-          <p:cNvSpPr txBox="1"/>
-          <p:nvPr/>
-        </p:nvSpPr>
-        <p:spPr>
-          <a:xfrm>
-            <a:off x="951865" y="4132580"/>
-            <a:ext cx="9799320" cy="2122805"/>
-          </a:xfrm>
-          <a:prstGeom prst="rect">
-            <a:avLst/>
-          </a:prstGeom>
-          <a:noFill/>
-        </p:spPr>
-        <p:txBody>
-          <a:bodyPr wrap="square" rtlCol="0">
-            <a:spAutoFit/>
-          </a:bodyPr>
-          <a:p>
-            <a:pPr fontAlgn="auto">
-              <a:lnSpc>
-                <a:spcPct val="150000"/>
-              </a:lnSpc>
-            </a:pPr>
-            <a:r>
-              <a:rPr lang="en-US" altLang="zh-CN" sz="2400">
-                <a:sym typeface="+mn-ea"/>
-              </a:rPr>
-              <a:t>1</a:t>
-            </a:r>
-            <a:r>
-              <a:rPr lang="zh-CN" altLang="en-US" sz="2400">
-                <a:sym typeface="+mn-ea"/>
-              </a:rPr>
-              <a:t>、</a:t>
-            </a:r>
-            <a:r>
-              <a:rPr lang="zh-CN" altLang="en-US" sz="2400">
-                <a:sym typeface="+mn-ea"/>
-              </a:rPr>
-              <a:t>CreateDatabaseAndTable类：负责创建数据库和表。</a:t>
-            </a:r>
-            <a:endParaRPr lang="zh-CN" altLang="en-US" sz="2400"/>
-          </a:p>
-          <a:p>
-            <a:pPr fontAlgn="auto">
-              <a:lnSpc>
-                <a:spcPct val="150000"/>
-              </a:lnSpc>
-            </a:pPr>
-            <a:r>
-              <a:rPr lang="en-US" altLang="zh-CN" sz="2400">
-                <a:sym typeface="+mn-ea"/>
-              </a:rPr>
-              <a:t>2</a:t>
-            </a:r>
-            <a:r>
-              <a:rPr lang="zh-CN" altLang="en-US" sz="2400">
-                <a:sym typeface="+mn-ea"/>
-              </a:rPr>
-              <a:t>、</a:t>
-            </a:r>
-            <a:r>
-              <a:rPr lang="zh-CN" altLang="en-US" sz="2400">
-                <a:sym typeface="+mn-ea"/>
-              </a:rPr>
-              <a:t>Point类：封装了迷宫中点的属性和行为，比如一个点是否为路、是否为收费点等。</a:t>
-            </a:r>
-            <a:endParaRPr lang="zh-CN" altLang="en-US" sz="2400"/>
-          </a:p>
-          <a:p>
-            <a:endParaRPr lang="zh-CN" altLang="en-US" sz="2400"/>
-          </a:p>
-        </p:txBody>
-      </p:sp>
-      <p:sp>
-        <p:nvSpPr>
-          <p:cNvPr id="7" name="文本框 6"/>
-          <p:cNvSpPr txBox="1"/>
-          <p:nvPr/>
-        </p:nvSpPr>
-        <p:spPr>
-          <a:xfrm>
-            <a:off x="5537835" y="3510280"/>
-            <a:ext cx="3447415" cy="368300"/>
-          </a:xfrm>
-          <a:prstGeom prst="rect">
-            <a:avLst/>
-          </a:prstGeom>
-          <a:noFill/>
-        </p:spPr>
-        <p:txBody>
-          <a:bodyPr wrap="square" rtlCol="0">
-            <a:spAutoFit/>
-          </a:bodyPr>
-          <a:p>
-            <a:r>
-              <a:rPr lang="zh-CN" altLang="en-US"/>
-              <a:t>主要类的</a:t>
-            </a:r>
-            <a:r>
-              <a:rPr lang="en-US" altLang="zh-CN"/>
-              <a:t>UML</a:t>
-            </a:r>
-            <a:r>
-              <a:rPr lang="zh-CN" altLang="en-US"/>
-              <a:t>图</a:t>
-            </a:r>
-            <a:endParaRPr lang="zh-CN" altLang="en-US"/>
-          </a:p>
-        </p:txBody>
-      </p:sp>
-    </p:spTree>
-  </p:cSld>
-  <p:clrMapOvr>
-    <a:masterClrMapping/>
-  </p:clrMapOvr>
-  <p:transition spd="slow">
-    <p:wipe dir="d"/>
-  </p:transition>
-</p:sld>
-</file>
-
-<file path=ppt/slides/slide5.xml><?xml version="1.0" encoding="utf-8"?>
-<p:sld xmlns:a="http://schemas.openxmlformats.org/drawingml/2006/main" xmlns:r="http://schemas.openxmlformats.org/officeDocument/2006/relationships" xmlns:p="http://schemas.openxmlformats.org/presentationml/2006/main">
-  <p:cSld>
-    <p:spTree>
-      <p:nvGrpSpPr>
-        <p:cNvPr id="1" name=""/>
-        <p:cNvGrpSpPr/>
-        <p:nvPr/>
-      </p:nvGrpSpPr>
-      <p:grpSpPr/>
-      <p:sp>
-        <p:nvSpPr>
-          <p:cNvPr id="3" name="文本框 2"/>
-          <p:cNvSpPr txBox="1"/>
-          <p:nvPr/>
-        </p:nvSpPr>
-        <p:spPr>
-          <a:xfrm>
-            <a:off x="1701800" y="1259840"/>
-            <a:ext cx="8187690" cy="3969385"/>
-          </a:xfrm>
-          <a:prstGeom prst="rect">
-            <a:avLst/>
-          </a:prstGeom>
-          <a:noFill/>
-        </p:spPr>
-        <p:txBody>
-          <a:bodyPr wrap="square" rtlCol="0" anchor="t">
-            <a:spAutoFit/>
-          </a:bodyPr>
-          <a:p>
-            <a:pPr fontAlgn="auto">
-              <a:lnSpc>
-                <a:spcPct val="150000"/>
-              </a:lnSpc>
-            </a:pPr>
-            <a:r>
-              <a:rPr lang="en-US" altLang="zh-CN" sz="2400">
-                <a:sym typeface="+mn-ea"/>
-              </a:rPr>
-              <a:t>3</a:t>
-            </a:r>
-            <a:r>
-              <a:rPr lang="zh-CN" altLang="en-US" sz="2400">
-                <a:sym typeface="+mn-ea"/>
-              </a:rPr>
-              <a:t>、</a:t>
-            </a:r>
-            <a:r>
-              <a:rPr lang="zh-CN" altLang="en-US" sz="2400">
-                <a:sym typeface="+mn-ea"/>
-              </a:rPr>
-              <a:t>MazeMaker接口：封装得到迷宫的方法。</a:t>
-            </a:r>
-            <a:endParaRPr lang="zh-CN" altLang="en-US" sz="2400"/>
-          </a:p>
-          <a:p>
-            <a:pPr fontAlgn="auto">
-              <a:lnSpc>
-                <a:spcPct val="150000"/>
-              </a:lnSpc>
-            </a:pPr>
-            <a:r>
-              <a:rPr lang="en-US" altLang="zh-CN" sz="2400">
-                <a:sym typeface="+mn-ea"/>
-              </a:rPr>
-              <a:t>4</a:t>
-            </a:r>
-            <a:r>
-              <a:rPr lang="zh-CN" altLang="en-US" sz="2400">
-                <a:sym typeface="+mn-ea"/>
-              </a:rPr>
-              <a:t>、</a:t>
-            </a:r>
-            <a:r>
-              <a:rPr lang="zh-CN" altLang="en-US" sz="2400">
-                <a:sym typeface="+mn-ea"/>
-              </a:rPr>
-              <a:t>MazeByRandom类：负责给出随机迷宫。</a:t>
-            </a:r>
-            <a:endParaRPr lang="zh-CN" altLang="en-US" sz="2400">
-              <a:sym typeface="+mn-ea"/>
-            </a:endParaRPr>
-          </a:p>
-          <a:p>
-            <a:pPr fontAlgn="auto">
-              <a:lnSpc>
-                <a:spcPct val="150000"/>
-              </a:lnSpc>
-            </a:pPr>
-            <a:r>
-              <a:rPr lang="en-US" altLang="zh-CN" sz="2400">
-                <a:sym typeface="+mn-ea"/>
-              </a:rPr>
-              <a:t>5</a:t>
-            </a:r>
-            <a:r>
-              <a:rPr lang="zh-CN" altLang="en-US" sz="2400">
-                <a:sym typeface="+mn-ea"/>
-              </a:rPr>
-              <a:t>、</a:t>
-            </a:r>
-            <a:r>
-              <a:rPr lang="zh-CN" altLang="en-US" sz="2400">
-                <a:sym typeface="+mn-ea"/>
-              </a:rPr>
-              <a:t>MazeByFile 类：负责给出一个固定的迷宫。</a:t>
-            </a:r>
-            <a:endParaRPr lang="zh-CN" altLang="en-US" sz="2400"/>
-          </a:p>
-          <a:p>
-            <a:pPr fontAlgn="auto">
-              <a:lnSpc>
-                <a:spcPct val="150000"/>
-              </a:lnSpc>
-            </a:pPr>
-            <a:r>
-              <a:rPr lang="en-US" altLang="zh-CN" sz="2400">
-                <a:sym typeface="+mn-ea"/>
-              </a:rPr>
-              <a:t>6</a:t>
-            </a:r>
-            <a:r>
-              <a:rPr lang="zh-CN" altLang="en-US" sz="2400">
-                <a:sym typeface="+mn-ea"/>
-              </a:rPr>
-              <a:t>、</a:t>
-            </a:r>
-            <a:r>
-              <a:rPr lang="zh-CN" altLang="en-US" sz="2400">
-                <a:sym typeface="+mn-ea"/>
-              </a:rPr>
-              <a:t>SetRoad 类：负责设置哪些点是路。</a:t>
-            </a:r>
-            <a:endParaRPr lang="zh-CN" altLang="en-US" sz="2400"/>
-          </a:p>
-          <a:p>
-            <a:pPr fontAlgn="auto">
-              <a:lnSpc>
-                <a:spcPct val="150000"/>
-              </a:lnSpc>
-            </a:pPr>
-            <a:r>
-              <a:rPr lang="en-US" altLang="zh-CN" sz="2400">
-                <a:sym typeface="+mn-ea"/>
-              </a:rPr>
-              <a:t>7</a:t>
-            </a:r>
-            <a:r>
-              <a:rPr lang="zh-CN" altLang="en-US" sz="2400">
-                <a:sym typeface="+mn-ea"/>
-              </a:rPr>
-              <a:t>、</a:t>
-            </a:r>
-            <a:r>
-              <a:rPr lang="zh-CN" altLang="en-US" sz="2400">
-                <a:sym typeface="+mn-ea"/>
-              </a:rPr>
-              <a:t>SetChargeOnRoad抽象类：封装设置收费点的方法。</a:t>
-            </a:r>
-            <a:endParaRPr lang="zh-CN" altLang="en-US" sz="2400">
-              <a:sym typeface="+mn-ea"/>
-            </a:endParaRPr>
-          </a:p>
-          <a:p>
-            <a:pPr fontAlgn="auto">
-              <a:lnSpc>
-                <a:spcPct val="150000"/>
-              </a:lnSpc>
-            </a:pPr>
-            <a:r>
-              <a:rPr lang="en-US" altLang="zh-CN" sz="2400">
-                <a:sym typeface="+mn-ea"/>
-              </a:rPr>
-              <a:t>8</a:t>
-            </a:r>
-            <a:r>
-              <a:rPr lang="zh-CN" altLang="en-US" sz="2400">
-                <a:sym typeface="+mn-ea"/>
-              </a:rPr>
-              <a:t>、</a:t>
-            </a:r>
-            <a:r>
-              <a:rPr lang="zh-CN" altLang="en-US" sz="2400">
-                <a:sym typeface="+mn-ea"/>
-              </a:rPr>
-              <a:t>ChargeOnRoad 类：SetChargeOnRoad 类的子类，负责给出具体的收费点。</a:t>
-            </a:r>
-            <a:endParaRPr lang="zh-CN" altLang="en-US" sz="2400">
-              <a:sym typeface="+mn-ea"/>
-            </a:endParaRPr>
-          </a:p>
-        </p:txBody>
-      </p:sp>
-    </p:spTree>
-  </p:cSld>
-  <p:clrMapOvr>
-    <a:masterClrMapping/>
-  </p:clrMapOvr>
-  <p:transition spd="slow">
-    <p:wipe dir="d"/>
-  </p:transition>
-</p:sld>
-</file>
-
-<file path=ppt/slides/slide6.xml><?xml version="1.0" encoding="utf-8"?>
-<p:sld xmlns:a="http://schemas.openxmlformats.org/drawingml/2006/main" xmlns:r="http://schemas.openxmlformats.org/officeDocument/2006/relationships" xmlns:p="http://schemas.openxmlformats.org/presentationml/2006/main">
-  <p:cSld>
-    <p:spTree>
-      <p:nvGrpSpPr>
-        <p:cNvPr id="1" name=""/>
-        <p:cNvGrpSpPr/>
-        <p:nvPr/>
-      </p:nvGrpSpPr>
-      <p:grpSpPr/>
-      <p:sp>
-        <p:nvSpPr>
-          <p:cNvPr id="3" name="文本框 2"/>
-          <p:cNvSpPr txBox="1"/>
-          <p:nvPr/>
-        </p:nvSpPr>
-        <p:spPr>
-          <a:xfrm>
-            <a:off x="6484620" y="1844040"/>
-            <a:ext cx="4777740" cy="3630930"/>
-          </a:xfrm>
-          <a:prstGeom prst="rect">
-            <a:avLst/>
-          </a:prstGeom>
-          <a:noFill/>
-        </p:spPr>
-        <p:txBody>
-          <a:bodyPr wrap="square" rtlCol="0">
-            <a:spAutoFit/>
-          </a:bodyPr>
-          <a:p>
-            <a:pPr fontAlgn="auto">
-              <a:lnSpc>
-                <a:spcPct val="150000"/>
-              </a:lnSpc>
-            </a:pPr>
-            <a:r>
-              <a:rPr lang="en-US" altLang="zh-CN" sz="2000">
-                <a:sym typeface="+mn-ea"/>
-              </a:rPr>
-              <a:t>1</a:t>
-            </a:r>
-            <a:r>
-              <a:rPr lang="zh-CN" altLang="en-US" sz="2000">
-                <a:sym typeface="+mn-ea"/>
-              </a:rPr>
-              <a:t>、ChargeOnRoad 类：</a:t>
-            </a:r>
-            <a:endParaRPr lang="zh-CN" altLang="en-US" sz="2000">
-              <a:sym typeface="+mn-ea"/>
-            </a:endParaRPr>
-          </a:p>
-          <a:p>
-            <a:pPr fontAlgn="auto">
-              <a:lnSpc>
-                <a:spcPct val="150000"/>
-              </a:lnSpc>
-            </a:pPr>
-            <a:r>
-              <a:rPr lang="en-US" altLang="zh-CN" sz="2000">
-                <a:sym typeface="+mn-ea"/>
-              </a:rPr>
-              <a:t>2</a:t>
-            </a:r>
-            <a:r>
-              <a:rPr lang="zh-CN" altLang="en-US" sz="2000">
-                <a:sym typeface="+mn-ea"/>
-              </a:rPr>
-              <a:t>、</a:t>
-            </a:r>
-            <a:r>
-              <a:rPr lang="zh-CN" altLang="en-US" sz="2000">
-                <a:sym typeface="+mn-ea"/>
-              </a:rPr>
-              <a:t>SetChargeOnRoad 类的子类，负责给出具体的收费点。</a:t>
-            </a:r>
-            <a:endParaRPr lang="zh-CN" altLang="en-US" sz="2000"/>
-          </a:p>
-          <a:p>
-            <a:pPr fontAlgn="auto">
-              <a:lnSpc>
-                <a:spcPct val="150000"/>
-              </a:lnSpc>
-            </a:pPr>
-            <a:r>
-              <a:rPr lang="en-US" altLang="zh-CN" sz="2000">
-                <a:sym typeface="+mn-ea"/>
-              </a:rPr>
-              <a:t>3</a:t>
-            </a:r>
-            <a:r>
-              <a:rPr lang="zh-CN" altLang="en-US" sz="2000">
-                <a:sym typeface="+mn-ea"/>
-              </a:rPr>
-              <a:t>、</a:t>
-            </a:r>
-            <a:r>
-              <a:rPr lang="zh-CN" altLang="en-US" sz="2000">
-                <a:sym typeface="+mn-ea"/>
-              </a:rPr>
-              <a:t>PersonInMaze类：其实例是迷宫中走动者的视图。</a:t>
-            </a:r>
-            <a:endParaRPr lang="zh-CN" altLang="en-US" sz="2000"/>
-          </a:p>
-          <a:p>
-            <a:pPr fontAlgn="auto">
-              <a:lnSpc>
-                <a:spcPct val="150000"/>
-              </a:lnSpc>
-            </a:pPr>
-            <a:r>
-              <a:rPr lang="en-US" altLang="zh-CN" sz="2000">
-                <a:sym typeface="+mn-ea"/>
-              </a:rPr>
-              <a:t>4</a:t>
-            </a:r>
-            <a:r>
-              <a:rPr lang="zh-CN" altLang="en-US" sz="2000">
-                <a:sym typeface="+mn-ea"/>
-              </a:rPr>
-              <a:t>、</a:t>
-            </a:r>
-            <a:r>
-              <a:rPr lang="zh-CN" altLang="en-US" sz="2000">
-                <a:sym typeface="+mn-ea"/>
-              </a:rPr>
-              <a:t>MazeView类：其实例为迷宫提供视图。</a:t>
-            </a:r>
-            <a:endParaRPr lang="zh-CN" altLang="en-US" sz="2000"/>
-          </a:p>
-          <a:p>
-            <a:endParaRPr lang="zh-CN" altLang="en-US" sz="2000"/>
-          </a:p>
-        </p:txBody>
-      </p:sp>
-      <p:sp>
-        <p:nvSpPr>
-          <p:cNvPr id="4" name="文本框 3"/>
-          <p:cNvSpPr txBox="1"/>
-          <p:nvPr/>
-        </p:nvSpPr>
-        <p:spPr>
-          <a:xfrm>
-            <a:off x="739140" y="921385"/>
-            <a:ext cx="2543175" cy="706755"/>
-          </a:xfrm>
-          <a:prstGeom prst="rect">
-            <a:avLst/>
-          </a:prstGeom>
-          <a:noFill/>
-        </p:spPr>
-        <p:txBody>
-          <a:bodyPr wrap="square" rtlCol="0">
-            <a:spAutoFit/>
-          </a:bodyPr>
-          <a:p>
-            <a:r>
-              <a:rPr lang="zh-CN" altLang="en-US" sz="4000"/>
-              <a:t>试图设计</a:t>
-            </a:r>
-            <a:endParaRPr lang="zh-CN" altLang="en-US" sz="4000"/>
-          </a:p>
-        </p:txBody>
-      </p:sp>
-      <p:pic>
-        <p:nvPicPr>
-          <p:cNvPr id="5" name="图片 4" descr="主要类的UML图"/>
-          <p:cNvPicPr>
-            <a:picLocks noChangeAspect="1"/>
-          </p:cNvPicPr>
-          <p:nvPr/>
-        </p:nvPicPr>
-        <p:blipFill>
-          <a:blip r:embed="rId1"/>
-          <a:stretch>
-            <a:fillRect/>
-          </a:stretch>
-        </p:blipFill>
-        <p:spPr>
-          <a:xfrm>
-            <a:off x="1328420" y="1985010"/>
-            <a:ext cx="4565015" cy="3028315"/>
+            <a:off x="2887980" y="1940560"/>
+            <a:ext cx="6542405" cy="3210560"/>
           </a:xfrm>
           <a:prstGeom prst="rect">
             <a:avLst/>
@@ -5092,8 +5770,8 @@
         </p:nvSpPr>
         <p:spPr>
           <a:xfrm>
-            <a:off x="2290445" y="5319395"/>
-            <a:ext cx="2486025" cy="368300"/>
+            <a:off x="4148455" y="5518150"/>
+            <a:ext cx="3447415" cy="368300"/>
           </a:xfrm>
           <a:prstGeom prst="rect">
             <a:avLst/>
@@ -5144,14 +5822,14 @@
       <p:grpSpPr/>
       <p:sp>
         <p:nvSpPr>
-          <p:cNvPr id="3" name="文本框 2"/>
+          <p:cNvPr id="4" name="文本框 3"/>
           <p:cNvSpPr txBox="1"/>
           <p:nvPr/>
         </p:nvSpPr>
         <p:spPr>
           <a:xfrm>
-            <a:off x="1683385" y="1346835"/>
-            <a:ext cx="8387080" cy="3969385"/>
+            <a:off x="666115" y="866775"/>
+            <a:ext cx="2543175" cy="706755"/>
           </a:xfrm>
           <a:prstGeom prst="rect">
             <a:avLst/>
@@ -5159,88 +5837,80 @@
           <a:noFill/>
         </p:spPr>
         <p:txBody>
-          <a:bodyPr wrap="square" rtlCol="0" anchor="t">
+          <a:bodyPr wrap="square" rtlCol="0">
             <a:spAutoFit/>
           </a:bodyPr>
           <a:p>
-            <a:pPr fontAlgn="auto">
-              <a:lnSpc>
-                <a:spcPct val="150000"/>
-              </a:lnSpc>
-            </a:pPr>
-            <a:r>
-              <a:rPr lang="en-US" altLang="zh-CN" sz="2800">
-                <a:sym typeface="+mn-ea"/>
-              </a:rPr>
-              <a:t>5</a:t>
-            </a:r>
-            <a:r>
-              <a:rPr lang="zh-CN" altLang="en-US" sz="2800">
-                <a:sym typeface="+mn-ea"/>
-              </a:rPr>
-              <a:t>、</a:t>
-            </a:r>
-            <a:r>
-              <a:rPr lang="zh-CN" altLang="en-US" sz="2800">
-                <a:sym typeface="+mn-ea"/>
-              </a:rPr>
-              <a:t>RandomMazeView类：MazeView类的子类，其实例为随机迷宫提供视图。</a:t>
-            </a:r>
-            <a:endParaRPr lang="zh-CN" altLang="en-US" sz="2800"/>
-          </a:p>
-          <a:p>
-            <a:pPr fontAlgn="auto">
-              <a:lnSpc>
-                <a:spcPct val="150000"/>
-              </a:lnSpc>
-            </a:pPr>
-            <a:r>
-              <a:rPr lang="en-US" altLang="zh-CN" sz="2800">
-                <a:sym typeface="+mn-ea"/>
-              </a:rPr>
-              <a:t>6</a:t>
-            </a:r>
-            <a:r>
-              <a:rPr lang="zh-CN" altLang="en-US" sz="2800">
-                <a:sym typeface="+mn-ea"/>
-              </a:rPr>
-              <a:t>、</a:t>
-            </a:r>
-            <a:r>
-              <a:rPr lang="zh-CN" altLang="en-US" sz="2800">
-                <a:sym typeface="+mn-ea"/>
-              </a:rPr>
-              <a:t>FixedMazeView类：MazeView 类的子类，其实例为一个迷宫提供视图。</a:t>
-            </a:r>
-            <a:endParaRPr lang="zh-CN" altLang="en-US" sz="2800"/>
-          </a:p>
-          <a:p>
-            <a:pPr fontAlgn="auto">
-              <a:lnSpc>
-                <a:spcPct val="150000"/>
-              </a:lnSpc>
-            </a:pPr>
-            <a:r>
-              <a:rPr lang="en-US" altLang="zh-CN" sz="2800">
-                <a:sym typeface="+mn-ea"/>
-              </a:rPr>
-              <a:t>7</a:t>
-            </a:r>
-            <a:r>
-              <a:rPr lang="zh-CN" altLang="en-US" sz="2800">
-                <a:sym typeface="+mn-ea"/>
-              </a:rPr>
-              <a:t>、</a:t>
-            </a:r>
-            <a:r>
-              <a:rPr lang="zh-CN" altLang="en-US" sz="2800">
-                <a:sym typeface="+mn-ea"/>
-              </a:rPr>
-              <a:t>HandleMove 类：其实例是一个监视器，该监视器负责MazeView视图上的界面事件。</a:t>
-            </a:r>
-            <a:endParaRPr lang="zh-CN" altLang="en-US" sz="2800">
-              <a:sym typeface="+mn-ea"/>
-            </a:endParaRPr>
+            <a:r>
+              <a:rPr lang="zh-CN" altLang="en-US" sz="4000"/>
+              <a:t>视</a:t>
+            </a:r>
+            <a:r>
+              <a:rPr lang="zh-CN" altLang="en-US" sz="4000"/>
+              <a:t>图设计</a:t>
+            </a:r>
+            <a:endParaRPr lang="zh-CN" altLang="en-US" sz="4000"/>
+          </a:p>
+        </p:txBody>
+      </p:sp>
+      <p:pic>
+        <p:nvPicPr>
+          <p:cNvPr id="5" name="图片 4" descr="主要类的UML图"/>
+          <p:cNvPicPr>
+            <a:picLocks noChangeAspect="1"/>
+          </p:cNvPicPr>
+          <p:nvPr/>
+        </p:nvPicPr>
+        <p:blipFill>
+          <a:blip r:embed="rId1"/>
+          <a:stretch>
+            <a:fillRect/>
+          </a:stretch>
+        </p:blipFill>
+        <p:spPr>
+          <a:xfrm>
+            <a:off x="2880995" y="1658620"/>
+            <a:ext cx="5518150" cy="3660775"/>
+          </a:xfrm>
+          <a:prstGeom prst="rect">
+            <a:avLst/>
+          </a:prstGeom>
+        </p:spPr>
+      </p:pic>
+      <p:sp>
+        <p:nvSpPr>
+          <p:cNvPr id="7" name="文本框 6"/>
+          <p:cNvSpPr txBox="1"/>
+          <p:nvPr/>
+        </p:nvSpPr>
+        <p:spPr>
+          <a:xfrm>
+            <a:off x="4731385" y="5633720"/>
+            <a:ext cx="2486025" cy="368300"/>
+          </a:xfrm>
+          <a:prstGeom prst="rect">
+            <a:avLst/>
+          </a:prstGeom>
+          <a:noFill/>
+        </p:spPr>
+        <p:txBody>
+          <a:bodyPr wrap="square" rtlCol="0">
+            <a:spAutoFit/>
+          </a:bodyPr>
+          <a:p>
+            <a:r>
+              <a:rPr lang="zh-CN" altLang="en-US"/>
+              <a:t>主要类的</a:t>
+            </a:r>
+            <a:r>
+              <a:rPr lang="en-US" altLang="zh-CN"/>
+              <a:t>UML</a:t>
+            </a:r>
+            <a:r>
+              <a:rPr lang="zh-CN" altLang="en-US"/>
+              <a:t>图</a:t>
+            </a:r>
+            <a:endParaRPr lang="zh-CN" altLang="en-US"/>
           </a:p>
         </p:txBody>
       </p:sp>
@@ -5277,8 +5947,8 @@
         </p:nvSpPr>
         <p:spPr>
           <a:xfrm>
-            <a:off x="890905" y="767080"/>
-            <a:ext cx="2274570" cy="706755"/>
+            <a:off x="909955" y="763270"/>
+            <a:ext cx="2781935" cy="706755"/>
           </a:xfrm>
         </p:spPr>
         <p:txBody>
@@ -5286,36 +5956,51 @@
           <a:p>
             <a:r>
               <a:rPr lang="zh-CN" altLang="en-US" sz="4000"/>
-              <a:t>页面实现</a:t>
+              <a:t>游戏介绍</a:t>
             </a:r>
             <a:endParaRPr lang="zh-CN" altLang="en-US" sz="4000"/>
           </a:p>
         </p:txBody>
       </p:sp>
-      <p:pic>
-        <p:nvPicPr>
-          <p:cNvPr id="3" name="图片 2" descr="QQ图片20200101194230"/>
-          <p:cNvPicPr>
-            <a:picLocks noChangeAspect="1"/>
-          </p:cNvPicPr>
+      <p:sp>
+        <p:nvSpPr>
+          <p:cNvPr id="3" name="文本框 2"/>
+          <p:cNvSpPr txBox="1"/>
           <p:nvPr/>
-        </p:nvPicPr>
-        <p:blipFill>
-          <a:blip r:embed="rId1"/>
-          <a:stretch>
-            <a:fillRect/>
-          </a:stretch>
-        </p:blipFill>
+        </p:nvSpPr>
         <p:spPr>
           <a:xfrm>
-            <a:off x="990600" y="1473835"/>
-            <a:ext cx="10058400" cy="4824730"/>
+            <a:off x="1743710" y="1841500"/>
+            <a:ext cx="8438515" cy="3230245"/>
           </a:xfrm>
           <a:prstGeom prst="rect">
             <a:avLst/>
           </a:prstGeom>
+          <a:noFill/>
         </p:spPr>
-      </p:pic>
+        <p:txBody>
+          <a:bodyPr wrap="square" rtlCol="0">
+            <a:spAutoFit/>
+          </a:bodyPr>
+          <a:p>
+            <a:pPr fontAlgn="auto">
+              <a:lnSpc>
+                <a:spcPct val="150000"/>
+              </a:lnSpc>
+            </a:pPr>
+            <a:r>
+              <a:rPr lang="zh-CN" altLang="en-US" sz="2400">
+                <a:sym typeface="+mn-ea"/>
+              </a:rPr>
+              <a:t>1、用户点击随机迷宫，然后点击人偶头像，用方向键控制人偶头像运动，绿色是路，红色是出口，蓝色是收费站（只要经过就收费，包括反复经过），务必记住整个路费，否则无法通过，人偶头像到达红色方格时会弹出一个对话框，输入路费即可通过。点击换迷宫按钮可以换一个迷宫。</a:t>
+            </a:r>
+            <a:endParaRPr lang="zh-CN" altLang="en-US" sz="2400"/>
+          </a:p>
+          <a:p>
+            <a:endParaRPr lang="zh-CN" altLang="en-US" sz="2400"/>
+          </a:p>
+        </p:txBody>
+      </p:sp>
     </p:spTree>
   </p:cSld>
   <p:clrMapOvr>
@@ -5337,9 +6022,36 @@
         <p:nvPr/>
       </p:nvGrpSpPr>
       <p:grpSpPr/>
+      <p:sp>
+        <p:nvSpPr>
+          <p:cNvPr id="2" name="标题 1"/>
+          <p:cNvSpPr>
+            <a:spLocks noGrp="1"/>
+          </p:cNvSpPr>
+          <p:nvPr>
+            <p:ph type="title"/>
+          </p:nvPr>
+        </p:nvSpPr>
+        <p:spPr>
+          <a:xfrm>
+            <a:off x="890905" y="859473"/>
+            <a:ext cx="2274570" cy="521970"/>
+          </a:xfrm>
+        </p:spPr>
+        <p:txBody>
+          <a:bodyPr wrap="square"/>
+          <a:p>
+            <a:r>
+              <a:rPr lang="zh-CN" altLang="en-US" sz="2800"/>
+              <a:t>页面实现</a:t>
+            </a:r>
+            <a:endParaRPr lang="zh-CN" altLang="en-US" sz="2800"/>
+          </a:p>
+        </p:txBody>
+      </p:sp>
       <p:pic>
         <p:nvPicPr>
-          <p:cNvPr id="3" name="图片 2" descr="QQ图片20200101194236"/>
+          <p:cNvPr id="3" name="图片 2" descr="QQ图片20200101194230"/>
           <p:cNvPicPr>
             <a:picLocks noChangeAspect="1"/>
           </p:cNvPicPr>
@@ -5353,7 +6065,7 @@
         </p:blipFill>
         <p:spPr>
           <a:xfrm>
-            <a:off x="1066800" y="1016635"/>
+            <a:off x="990600" y="1473835"/>
             <a:ext cx="10058400" cy="4824730"/>
           </a:xfrm>
           <a:prstGeom prst="rect">
